--- a/docs/Anti-Phishing Web Application.pptx
+++ b/docs/Anti-Phishing Web Application.pptx
@@ -347,7 +347,7 @@
           <a:p>
             <a:fld id="{5FF84FC5-0C8C-4AFA-88F9-F735E50AE548}" type="datetimeFigureOut">
               <a:rPr lang="en-IN" smtClean="0"/>
-              <a:t>20-01-2022</a:t>
+              <a:t>22-01-2022</a:t>
             </a:fld>
             <a:endParaRPr lang="en-IN"/>
           </a:p>
@@ -555,7 +555,7 @@
           <a:p>
             <a:fld id="{5FF84FC5-0C8C-4AFA-88F9-F735E50AE548}" type="datetimeFigureOut">
               <a:rPr lang="en-IN" smtClean="0"/>
-              <a:t>20-01-2022</a:t>
+              <a:t>22-01-2022</a:t>
             </a:fld>
             <a:endParaRPr lang="en-IN"/>
           </a:p>
@@ -811,7 +811,7 @@
           <a:p>
             <a:fld id="{5FF84FC5-0C8C-4AFA-88F9-F735E50AE548}" type="datetimeFigureOut">
               <a:rPr lang="en-IN" smtClean="0"/>
-              <a:t>20-01-2022</a:t>
+              <a:t>22-01-2022</a:t>
             </a:fld>
             <a:endParaRPr lang="en-IN"/>
           </a:p>
@@ -985,7 +985,7 @@
           <a:p>
             <a:fld id="{5FF84FC5-0C8C-4AFA-88F9-F735E50AE548}" type="datetimeFigureOut">
               <a:rPr lang="en-IN" smtClean="0"/>
-              <a:t>20-01-2022</a:t>
+              <a:t>22-01-2022</a:t>
             </a:fld>
             <a:endParaRPr lang="en-IN"/>
           </a:p>
@@ -1328,7 +1328,7 @@
           <a:p>
             <a:fld id="{5FF84FC5-0C8C-4AFA-88F9-F735E50AE548}" type="datetimeFigureOut">
               <a:rPr lang="en-IN" smtClean="0"/>
-              <a:t>20-01-2022</a:t>
+              <a:t>22-01-2022</a:t>
             </a:fld>
             <a:endParaRPr lang="en-IN"/>
           </a:p>
@@ -1603,7 +1603,7 @@
           <a:p>
             <a:fld id="{5FF84FC5-0C8C-4AFA-88F9-F735E50AE548}" type="datetimeFigureOut">
               <a:rPr lang="en-IN" smtClean="0"/>
-              <a:t>20-01-2022</a:t>
+              <a:t>22-01-2022</a:t>
             </a:fld>
             <a:endParaRPr lang="en-IN"/>
           </a:p>
@@ -1982,7 +1982,7 @@
           <a:p>
             <a:fld id="{5FF84FC5-0C8C-4AFA-88F9-F735E50AE548}" type="datetimeFigureOut">
               <a:rPr lang="en-IN" smtClean="0"/>
-              <a:t>20-01-2022</a:t>
+              <a:t>22-01-2022</a:t>
             </a:fld>
             <a:endParaRPr lang="en-IN"/>
           </a:p>
@@ -2100,7 +2100,7 @@
           <a:p>
             <a:fld id="{5FF84FC5-0C8C-4AFA-88F9-F735E50AE548}" type="datetimeFigureOut">
               <a:rPr lang="en-IN" smtClean="0"/>
-              <a:t>20-01-2022</a:t>
+              <a:t>22-01-2022</a:t>
             </a:fld>
             <a:endParaRPr lang="en-IN"/>
           </a:p>
@@ -2271,7 +2271,7 @@
           <a:p>
             <a:fld id="{5FF84FC5-0C8C-4AFA-88F9-F735E50AE548}" type="datetimeFigureOut">
               <a:rPr lang="en-IN" smtClean="0"/>
-              <a:t>20-01-2022</a:t>
+              <a:t>22-01-2022</a:t>
             </a:fld>
             <a:endParaRPr lang="en-IN"/>
           </a:p>
@@ -2625,7 +2625,7 @@
           <a:p>
             <a:fld id="{5FF84FC5-0C8C-4AFA-88F9-F735E50AE548}" type="datetimeFigureOut">
               <a:rPr lang="en-IN" smtClean="0"/>
-              <a:t>20-01-2022</a:t>
+              <a:t>22-01-2022</a:t>
             </a:fld>
             <a:endParaRPr lang="en-IN"/>
           </a:p>
@@ -3007,7 +3007,7 @@
           <a:p>
             <a:fld id="{5FF84FC5-0C8C-4AFA-88F9-F735E50AE548}" type="datetimeFigureOut">
               <a:rPr lang="en-IN" smtClean="0"/>
-              <a:t>20-01-2022</a:t>
+              <a:t>22-01-2022</a:t>
             </a:fld>
             <a:endParaRPr lang="en-IN"/>
           </a:p>
@@ -3294,7 +3294,7 @@
           <a:p>
             <a:fld id="{5FF84FC5-0C8C-4AFA-88F9-F735E50AE548}" type="datetimeFigureOut">
               <a:rPr lang="en-IN" smtClean="0"/>
-              <a:t>20-01-2022</a:t>
+              <a:t>22-01-2022</a:t>
             </a:fld>
             <a:endParaRPr lang="en-IN"/>
           </a:p>
@@ -6017,7 +6017,7 @@
           <a:lstStyle/>
           <a:p>
             <a:pPr algn="ctr"/>
-            <a:endParaRPr lang="en-IN"/>
+            <a:endParaRPr lang="en-IN" dirty="0"/>
           </a:p>
         </p:txBody>
       </p:sp>
@@ -6190,7 +6190,7 @@
         </p:blipFill>
         <p:spPr bwMode="auto">
           <a:xfrm>
-            <a:off x="8316429" y="2238551"/>
+            <a:off x="8360536" y="2082280"/>
             <a:ext cx="1905000" cy="1838325"/>
           </a:xfrm>
           <a:prstGeom prst="rect">
@@ -6256,7 +6256,7 @@
           <a:lstStyle/>
           <a:p>
             <a:pPr algn="ctr"/>
-            <a:endParaRPr lang="en-IN">
+            <a:endParaRPr lang="en-IN" dirty="0">
               <a:solidFill>
                 <a:schemeClr val="tx1"/>
               </a:solidFill>
@@ -6293,7 +6293,7 @@
         </p:blipFill>
         <p:spPr bwMode="auto">
           <a:xfrm>
-            <a:off x="8448357" y="4068076"/>
+            <a:off x="8448357" y="3889185"/>
             <a:ext cx="1360548" cy="1360548"/>
           </a:xfrm>
           <a:prstGeom prst="rect">
@@ -6435,7 +6435,7 @@
                             </p:stCondLst>
                             <p:childTnLst>
                               <p:par>
-                                <p:cTn id="5" presetID="10" presetClass="entr" presetSubtype="0" fill="hold" grpId="0" nodeType="clickEffect">
+                                <p:cTn id="5" presetID="1" presetClass="entr" presetSubtype="0" fill="hold" grpId="0" nodeType="clickEffect">
                                   <p:stCondLst>
                                     <p:cond delay="0"/>
                                   </p:stCondLst>
@@ -6458,14 +6458,6 @@
                                         <p:strVal val="visible"/>
                                       </p:to>
                                     </p:set>
-                                    <p:animEffect transition="in" filter="fade">
-                                      <p:cBhvr>
-                                        <p:cTn id="7" dur="500"/>
-                                        <p:tgtEl>
-                                          <p:spTgt spid="2"/>
-                                        </p:tgtEl>
-                                      </p:cBhvr>
-                                    </p:animEffect>
                                   </p:childTnLst>
                                 </p:cTn>
                               </p:par>
@@ -6476,26 +6468,26 @@
                     </p:cTn>
                   </p:par>
                   <p:par>
-                    <p:cTn id="8" fill="hold">
+                    <p:cTn id="7" fill="hold">
                       <p:stCondLst>
                         <p:cond delay="indefinite"/>
                       </p:stCondLst>
                       <p:childTnLst>
                         <p:par>
-                          <p:cTn id="9" fill="hold">
+                          <p:cTn id="8" fill="hold">
                             <p:stCondLst>
                               <p:cond delay="0"/>
                             </p:stCondLst>
                             <p:childTnLst>
                               <p:par>
-                                <p:cTn id="10" presetID="22" presetClass="entr" presetSubtype="4" fill="hold" nodeType="clickEffect">
+                                <p:cTn id="9" presetID="10" presetClass="entr" presetSubtype="0" fill="hold" nodeType="clickEffect">
                                   <p:stCondLst>
                                     <p:cond delay="0"/>
                                   </p:stCondLst>
                                   <p:childTnLst>
                                     <p:set>
                                       <p:cBhvr>
-                                        <p:cTn id="11" dur="1" fill="hold">
+                                        <p:cTn id="10" dur="1" fill="hold">
                                           <p:stCondLst>
                                             <p:cond delay="0"/>
                                           </p:stCondLst>
@@ -6511,9 +6503,9 @@
                                         <p:strVal val="visible"/>
                                       </p:to>
                                     </p:set>
-                                    <p:animEffect transition="in" filter="wipe(down)">
+                                    <p:animEffect transition="in" filter="fade">
                                       <p:cBhvr>
-                                        <p:cTn id="12" dur="500"/>
+                                        <p:cTn id="11" dur="500"/>
                                         <p:tgtEl>
                                           <p:spTgt spid="1026"/>
                                         </p:tgtEl>
@@ -6529,26 +6521,26 @@
                     </p:cTn>
                   </p:par>
                   <p:par>
-                    <p:cTn id="13" fill="hold">
+                    <p:cTn id="12" fill="hold">
                       <p:stCondLst>
                         <p:cond delay="indefinite"/>
                       </p:stCondLst>
                       <p:childTnLst>
                         <p:par>
-                          <p:cTn id="14" fill="hold">
+                          <p:cTn id="13" fill="hold">
                             <p:stCondLst>
                               <p:cond delay="0"/>
                             </p:stCondLst>
                             <p:childTnLst>
                               <p:par>
-                                <p:cTn id="15" presetID="22" presetClass="entr" presetSubtype="4" fill="hold" grpId="0" nodeType="clickEffect">
+                                <p:cTn id="14" presetID="10" presetClass="entr" presetSubtype="0" fill="hold" grpId="0" nodeType="clickEffect">
                                   <p:stCondLst>
                                     <p:cond delay="0"/>
                                   </p:stCondLst>
                                   <p:childTnLst>
                                     <p:set>
                                       <p:cBhvr>
-                                        <p:cTn id="16" dur="1" fill="hold">
+                                        <p:cTn id="15" dur="1" fill="hold">
                                           <p:stCondLst>
                                             <p:cond delay="0"/>
                                           </p:stCondLst>
@@ -6564,9 +6556,9 @@
                                         <p:strVal val="visible"/>
                                       </p:to>
                                     </p:set>
-                                    <p:animEffect transition="in" filter="wipe(down)">
+                                    <p:animEffect transition="in" filter="fade">
                                       <p:cBhvr>
-                                        <p:cTn id="17" dur="500"/>
+                                        <p:cTn id="16" dur="500"/>
                                         <p:tgtEl>
                                           <p:spTgt spid="3"/>
                                         </p:tgtEl>
@@ -6582,26 +6574,26 @@
                     </p:cTn>
                   </p:par>
                   <p:par>
-                    <p:cTn id="18" fill="hold">
+                    <p:cTn id="17" fill="hold">
                       <p:stCondLst>
                         <p:cond delay="indefinite"/>
                       </p:stCondLst>
                       <p:childTnLst>
                         <p:par>
-                          <p:cTn id="19" fill="hold">
+                          <p:cTn id="18" fill="hold">
                             <p:stCondLst>
                               <p:cond delay="0"/>
                             </p:stCondLst>
                             <p:childTnLst>
                               <p:par>
-                                <p:cTn id="20" presetID="22" presetClass="entr" presetSubtype="4" fill="hold" nodeType="clickEffect">
+                                <p:cTn id="19" presetID="10" presetClass="entr" presetSubtype="0" fill="hold" nodeType="clickEffect">
                                   <p:stCondLst>
                                     <p:cond delay="0"/>
                                   </p:stCondLst>
                                   <p:childTnLst>
                                     <p:set>
                                       <p:cBhvr>
-                                        <p:cTn id="21" dur="1" fill="hold">
+                                        <p:cTn id="20" dur="1" fill="hold">
                                           <p:stCondLst>
                                             <p:cond delay="0"/>
                                           </p:stCondLst>
@@ -6617,9 +6609,9 @@
                                         <p:strVal val="visible"/>
                                       </p:to>
                                     </p:set>
-                                    <p:animEffect transition="in" filter="wipe(down)">
+                                    <p:animEffect transition="in" filter="fade">
                                       <p:cBhvr>
-                                        <p:cTn id="22" dur="500"/>
+                                        <p:cTn id="21" dur="500"/>
                                         <p:tgtEl>
                                           <p:spTgt spid="1028"/>
                                         </p:tgtEl>
@@ -6635,26 +6627,26 @@
                     </p:cTn>
                   </p:par>
                   <p:par>
-                    <p:cTn id="23" fill="hold">
+                    <p:cTn id="22" fill="hold">
                       <p:stCondLst>
                         <p:cond delay="indefinite"/>
                       </p:stCondLst>
                       <p:childTnLst>
                         <p:par>
-                          <p:cTn id="24" fill="hold">
+                          <p:cTn id="23" fill="hold">
                             <p:stCondLst>
                               <p:cond delay="0"/>
                             </p:stCondLst>
                             <p:childTnLst>
                               <p:par>
-                                <p:cTn id="25" presetID="22" presetClass="entr" presetSubtype="4" fill="hold" grpId="0" nodeType="clickEffect">
+                                <p:cTn id="24" presetID="10" presetClass="entr" presetSubtype="0" fill="hold" grpId="0" nodeType="clickEffect">
                                   <p:stCondLst>
                                     <p:cond delay="0"/>
                                   </p:stCondLst>
                                   <p:childTnLst>
                                     <p:set>
                                       <p:cBhvr>
-                                        <p:cTn id="26" dur="1" fill="hold">
+                                        <p:cTn id="25" dur="1" fill="hold">
                                           <p:stCondLst>
                                             <p:cond delay="0"/>
                                           </p:stCondLst>
@@ -6670,9 +6662,9 @@
                                         <p:strVal val="visible"/>
                                       </p:to>
                                     </p:set>
-                                    <p:animEffect transition="in" filter="wipe(down)">
+                                    <p:animEffect transition="in" filter="fade">
                                       <p:cBhvr>
-                                        <p:cTn id="27" dur="500"/>
+                                        <p:cTn id="26" dur="500"/>
                                         <p:tgtEl>
                                           <p:spTgt spid="7"/>
                                         </p:tgtEl>
@@ -6688,26 +6680,79 @@
                     </p:cTn>
                   </p:par>
                   <p:par>
-                    <p:cTn id="28" fill="hold">
+                    <p:cTn id="27" fill="hold">
                       <p:stCondLst>
                         <p:cond delay="indefinite"/>
                       </p:stCondLst>
                       <p:childTnLst>
                         <p:par>
-                          <p:cTn id="29" fill="hold">
+                          <p:cTn id="28" fill="hold">
                             <p:stCondLst>
                               <p:cond delay="0"/>
                             </p:stCondLst>
                             <p:childTnLst>
                               <p:par>
-                                <p:cTn id="30" presetID="22" presetClass="entr" presetSubtype="4" fill="hold" nodeType="clickEffect">
+                                <p:cTn id="29" presetID="10" presetClass="entr" presetSubtype="0" fill="hold" nodeType="clickEffect">
                                   <p:stCondLst>
                                     <p:cond delay="0"/>
                                   </p:stCondLst>
                                   <p:childTnLst>
                                     <p:set>
                                       <p:cBhvr>
-                                        <p:cTn id="31" dur="1" fill="hold">
+                                        <p:cTn id="30" dur="1" fill="hold">
+                                          <p:stCondLst>
+                                            <p:cond delay="0"/>
+                                          </p:stCondLst>
+                                        </p:cTn>
+                                        <p:tgtEl>
+                                          <p:spTgt spid="9"/>
+                                        </p:tgtEl>
+                                        <p:attrNameLst>
+                                          <p:attrName>style.visibility</p:attrName>
+                                        </p:attrNameLst>
+                                      </p:cBhvr>
+                                      <p:to>
+                                        <p:strVal val="visible"/>
+                                      </p:to>
+                                    </p:set>
+                                    <p:animEffect transition="in" filter="fade">
+                                      <p:cBhvr>
+                                        <p:cTn id="31" dur="500"/>
+                                        <p:tgtEl>
+                                          <p:spTgt spid="9"/>
+                                        </p:tgtEl>
+                                      </p:cBhvr>
+                                    </p:animEffect>
+                                  </p:childTnLst>
+                                </p:cTn>
+                              </p:par>
+                            </p:childTnLst>
+                          </p:cTn>
+                        </p:par>
+                      </p:childTnLst>
+                    </p:cTn>
+                  </p:par>
+                  <p:par>
+                    <p:cTn id="32" fill="hold">
+                      <p:stCondLst>
+                        <p:cond delay="indefinite"/>
+                      </p:stCondLst>
+                      <p:childTnLst>
+                        <p:par>
+                          <p:cTn id="33" fill="hold">
+                            <p:stCondLst>
+                              <p:cond delay="0"/>
+                            </p:stCondLst>
+                            <p:childTnLst>
+                              <p:par>
+                                <p:cTn id="34" presetID="10" presetClass="entr" presetSubtype="0" fill="hold" nodeType="clickEffect">
+                                  <p:stCondLst>
+                                    <p:cond delay="0"/>
+                                  </p:stCondLst>
+                                  <p:childTnLst>
+                                    <p:set>
+                                      <p:cBhvr>
+                                        <p:cTn id="35" dur="1" fill="hold">
                                           <p:stCondLst>
                                             <p:cond delay="0"/>
                                           </p:stCondLst>
@@ -6723,9 +6768,9 @@
                                         <p:strVal val="visible"/>
                                       </p:to>
                                     </p:set>
-                                    <p:animEffect transition="in" filter="wipe(down)">
+                                    <p:animEffect transition="in" filter="fade">
                                       <p:cBhvr>
-                                        <p:cTn id="32" dur="500"/>
+                                        <p:cTn id="36" dur="500"/>
                                         <p:tgtEl>
                                           <p:spTgt spid="1030"/>
                                         </p:tgtEl>
@@ -6741,26 +6786,26 @@
                     </p:cTn>
                   </p:par>
                   <p:par>
-                    <p:cTn id="33" fill="hold">
+                    <p:cTn id="37" fill="hold">
                       <p:stCondLst>
                         <p:cond delay="indefinite"/>
                       </p:stCondLst>
                       <p:childTnLst>
                         <p:par>
-                          <p:cTn id="34" fill="hold">
+                          <p:cTn id="38" fill="hold">
                             <p:stCondLst>
                               <p:cond delay="0"/>
                             </p:stCondLst>
                             <p:childTnLst>
                               <p:par>
-                                <p:cTn id="35" presetID="22" presetClass="entr" presetSubtype="4" fill="hold" grpId="0" nodeType="clickEffect">
+                                <p:cTn id="39" presetID="10" presetClass="entr" presetSubtype="0" fill="hold" grpId="0" nodeType="clickEffect">
                                   <p:stCondLst>
                                     <p:cond delay="0"/>
                                   </p:stCondLst>
                                   <p:childTnLst>
                                     <p:set>
                                       <p:cBhvr>
-                                        <p:cTn id="36" dur="1" fill="hold">
+                                        <p:cTn id="40" dur="1" fill="hold">
                                           <p:stCondLst>
                                             <p:cond delay="0"/>
                                           </p:stCondLst>
@@ -6776,9 +6821,9 @@
                                         <p:strVal val="visible"/>
                                       </p:to>
                                     </p:set>
-                                    <p:animEffect transition="in" filter="wipe(down)">
+                                    <p:animEffect transition="in" filter="fade">
                                       <p:cBhvr>
-                                        <p:cTn id="37" dur="500"/>
+                                        <p:cTn id="41" dur="500"/>
                                         <p:tgtEl>
                                           <p:spTgt spid="5"/>
                                         </p:tgtEl>
@@ -6794,26 +6839,26 @@
                     </p:cTn>
                   </p:par>
                   <p:par>
-                    <p:cTn id="38" fill="hold">
+                    <p:cTn id="42" fill="hold">
                       <p:stCondLst>
                         <p:cond delay="indefinite"/>
                       </p:stCondLst>
                       <p:childTnLst>
                         <p:par>
-                          <p:cTn id="39" fill="hold">
+                          <p:cTn id="43" fill="hold">
                             <p:stCondLst>
                               <p:cond delay="0"/>
                             </p:stCondLst>
                             <p:childTnLst>
                               <p:par>
-                                <p:cTn id="40" presetID="22" presetClass="entr" presetSubtype="4" fill="hold" nodeType="clickEffect">
+                                <p:cTn id="44" presetID="10" presetClass="entr" presetSubtype="0" fill="hold" nodeType="clickEffect">
                                   <p:stCondLst>
                                     <p:cond delay="0"/>
                                   </p:stCondLst>
                                   <p:childTnLst>
                                     <p:set>
                                       <p:cBhvr>
-                                        <p:cTn id="41" dur="1" fill="hold">
+                                        <p:cTn id="45" dur="1" fill="hold">
                                           <p:stCondLst>
                                             <p:cond delay="0"/>
                                           </p:stCondLst>
@@ -6829,9 +6874,9 @@
                                         <p:strVal val="visible"/>
                                       </p:to>
                                     </p:set>
-                                    <p:animEffect transition="in" filter="wipe(down)">
+                                    <p:animEffect transition="in" filter="fade">
                                       <p:cBhvr>
-                                        <p:cTn id="42" dur="500"/>
+                                        <p:cTn id="46" dur="500"/>
                                         <p:tgtEl>
                                           <p:spTgt spid="1032"/>
                                         </p:tgtEl>
@@ -6847,26 +6892,26 @@
                     </p:cTn>
                   </p:par>
                   <p:par>
-                    <p:cTn id="43" fill="hold">
+                    <p:cTn id="47" fill="hold">
                       <p:stCondLst>
                         <p:cond delay="indefinite"/>
                       </p:stCondLst>
                       <p:childTnLst>
                         <p:par>
-                          <p:cTn id="44" fill="hold">
+                          <p:cTn id="48" fill="hold">
                             <p:stCondLst>
                               <p:cond delay="0"/>
                             </p:stCondLst>
                             <p:childTnLst>
                               <p:par>
-                                <p:cTn id="45" presetID="22" presetClass="entr" presetSubtype="4" fill="hold" grpId="0" nodeType="clickEffect">
+                                <p:cTn id="49" presetID="10" presetClass="entr" presetSubtype="0" fill="hold" grpId="0" nodeType="clickEffect">
                                   <p:stCondLst>
                                     <p:cond delay="0"/>
                                   </p:stCondLst>
                                   <p:childTnLst>
                                     <p:set>
                                       <p:cBhvr>
-                                        <p:cTn id="46" dur="1" fill="hold">
+                                        <p:cTn id="50" dur="1" fill="hold">
                                           <p:stCondLst>
                                             <p:cond delay="0"/>
                                           </p:stCondLst>
@@ -6882,9 +6927,9 @@
                                         <p:strVal val="visible"/>
                                       </p:to>
                                     </p:set>
-                                    <p:animEffect transition="in" filter="wipe(down)">
+                                    <p:animEffect transition="in" filter="fade">
                                       <p:cBhvr>
-                                        <p:cTn id="47" dur="500"/>
+                                        <p:cTn id="51" dur="500"/>
                                         <p:tgtEl>
                                           <p:spTgt spid="12"/>
                                         </p:tgtEl>
@@ -6900,26 +6945,26 @@
                     </p:cTn>
                   </p:par>
                   <p:par>
-                    <p:cTn id="48" fill="hold">
+                    <p:cTn id="52" fill="hold">
                       <p:stCondLst>
                         <p:cond delay="indefinite"/>
                       </p:stCondLst>
                       <p:childTnLst>
                         <p:par>
-                          <p:cTn id="49" fill="hold">
+                          <p:cTn id="53" fill="hold">
                             <p:stCondLst>
                               <p:cond delay="0"/>
                             </p:stCondLst>
                             <p:childTnLst>
                               <p:par>
-                                <p:cTn id="50" presetID="22" presetClass="entr" presetSubtype="4" fill="hold" nodeType="clickEffect">
+                                <p:cTn id="54" presetID="10" presetClass="entr" presetSubtype="0" fill="hold" nodeType="clickEffect">
                                   <p:stCondLst>
                                     <p:cond delay="0"/>
                                   </p:stCondLst>
                                   <p:childTnLst>
                                     <p:set>
                                       <p:cBhvr>
-                                        <p:cTn id="51" dur="1" fill="hold">
+                                        <p:cTn id="55" dur="1" fill="hold">
                                           <p:stCondLst>
                                             <p:cond delay="0"/>
                                           </p:stCondLst>
@@ -6935,9 +6980,9 @@
                                         <p:strVal val="visible"/>
                                       </p:to>
                                     </p:set>
-                                    <p:animEffect transition="in" filter="wipe(down)">
+                                    <p:animEffect transition="in" filter="fade">
                                       <p:cBhvr>
-                                        <p:cTn id="52" dur="500"/>
+                                        <p:cTn id="56" dur="500"/>
                                         <p:tgtEl>
                                           <p:spTgt spid="1034"/>
                                         </p:tgtEl>

--- a/docs/Anti-Phishing Web Application.pptx
+++ b/docs/Anti-Phishing Web Application.pptx
@@ -3836,8 +3836,8 @@
         </p:nvSpPr>
         <p:spPr>
           <a:xfrm>
-            <a:off x="1306286" y="3256746"/>
-            <a:ext cx="9845040" cy="919283"/>
+            <a:off x="2230481" y="3021135"/>
+            <a:ext cx="7731036" cy="919283"/>
           </a:xfrm>
           <a:noFill/>
           <a:ln>
@@ -3865,7 +3865,7 @@
           <a:lstStyle/>
           <a:p>
             <a:r>
-              <a:rPr lang="en-US" sz="6000" spc="0" dirty="0">
+              <a:rPr lang="en-US" sz="4800" spc="0" dirty="0">
                 <a:ln w="0"/>
                 <a:solidFill>
                   <a:schemeClr val="tx1"/>
@@ -3880,7 +3880,7 @@
               </a:rPr>
               <a:t>Anti-Phishing Web Application </a:t>
             </a:r>
-            <a:endParaRPr lang="en-IN" sz="6000" spc="0" dirty="0">
+            <a:endParaRPr lang="en-IN" sz="4800" spc="0" dirty="0">
               <a:ln w="0"/>
               <a:solidFill>
                 <a:schemeClr val="tx1"/>
@@ -3934,66 +3934,6 @@
       </p:pic>
       <p:sp>
         <p:nvSpPr>
-          <p:cNvPr id="8" name="TextBox 7">
-            <a:extLst>
-              <a:ext uri="{FF2B5EF4-FFF2-40B4-BE49-F238E27FC236}">
-                <a16:creationId xmlns:a16="http://schemas.microsoft.com/office/drawing/2014/main" id="{6C2B2439-AF90-4562-8095-AD75587C3E3B}"/>
-              </a:ext>
-            </a:extLst>
-          </p:cNvPr>
-          <p:cNvSpPr txBox="1"/>
-          <p:nvPr/>
-        </p:nvSpPr>
-        <p:spPr>
-          <a:xfrm>
-            <a:off x="1306286" y="4393355"/>
-            <a:ext cx="3115489" cy="1015663"/>
-          </a:xfrm>
-          <a:prstGeom prst="rect">
-            <a:avLst/>
-          </a:prstGeom>
-          <a:noFill/>
-        </p:spPr>
-        <p:txBody>
-          <a:bodyPr wrap="square" rtlCol="0">
-            <a:spAutoFit/>
-          </a:bodyPr>
-          <a:lstStyle/>
-          <a:p>
-            <a:endParaRPr lang="en-US" sz="2000" dirty="0"/>
-          </a:p>
-          <a:p>
-            <a:r>
-              <a:rPr lang="en-IN" sz="2000" dirty="0"/>
-              <a:t>-</a:t>
-            </a:r>
-            <a:r>
-              <a:rPr lang="en-IN" sz="2000" dirty="0" err="1"/>
-              <a:t>Dr.</a:t>
-            </a:r>
-            <a:r>
-              <a:rPr lang="en-IN" sz="2000" dirty="0"/>
-              <a:t> Vijaykumar </a:t>
-            </a:r>
-            <a:r>
-              <a:rPr lang="en-IN" sz="2000" dirty="0" err="1"/>
-              <a:t>Bidve</a:t>
-            </a:r>
-            <a:r>
-              <a:rPr lang="en-IN" sz="2000" dirty="0"/>
-              <a:t> </a:t>
-            </a:r>
-          </a:p>
-          <a:p>
-            <a:r>
-              <a:rPr lang="en-IN" sz="2000" dirty="0"/>
-              <a:t>Associate Prof.</a:t>
-            </a:r>
-          </a:p>
-        </p:txBody>
-      </p:sp>
-      <p:sp>
-        <p:nvSpPr>
           <p:cNvPr id="9" name="TextBox 8">
             <a:extLst>
               <a:ext uri="{FF2B5EF4-FFF2-40B4-BE49-F238E27FC236}">
@@ -4006,7 +3946,7 @@
         </p:nvSpPr>
         <p:spPr>
           <a:xfrm>
-            <a:off x="7441473" y="4748026"/>
+            <a:off x="916825" y="4579945"/>
             <a:ext cx="4010297" cy="646331"/>
           </a:xfrm>
           <a:prstGeom prst="rect">
@@ -4047,7 +3987,7 @@
         </p:nvSpPr>
         <p:spPr>
           <a:xfrm>
-            <a:off x="2574219" y="1163800"/>
+            <a:off x="2422518" y="241831"/>
             <a:ext cx="6792686" cy="923330"/>
           </a:xfrm>
           <a:prstGeom prst="rect">
@@ -4118,7 +4058,7 @@
         </p:blipFill>
         <p:spPr>
           <a:xfrm>
-            <a:off x="5549538" y="98140"/>
+            <a:off x="527365" y="175826"/>
             <a:ext cx="778921" cy="1055340"/>
           </a:xfrm>
           <a:prstGeom prst="rect">
@@ -4128,10 +4068,10 @@
       </p:pic>
       <p:sp>
         <p:nvSpPr>
-          <p:cNvPr id="11" name="TextBox 10">
+          <p:cNvPr id="13" name="TextBox 12">
             <a:extLst>
               <a:ext uri="{FF2B5EF4-FFF2-40B4-BE49-F238E27FC236}">
-                <a16:creationId xmlns:a16="http://schemas.microsoft.com/office/drawing/2014/main" id="{30F35AB9-CE58-4689-A9F5-B958099BF249}"/>
+                <a16:creationId xmlns:a16="http://schemas.microsoft.com/office/drawing/2014/main" id="{1B667656-3D3F-47DA-BD9C-B87C8F445361}"/>
               </a:ext>
             </a:extLst>
           </p:cNvPr>
@@ -4140,8 +4080,8 @@
         </p:nvSpPr>
         <p:spPr>
           <a:xfrm>
-            <a:off x="4421775" y="2339415"/>
-            <a:ext cx="3097575" cy="338554"/>
+            <a:off x="3719327" y="2244261"/>
+            <a:ext cx="4753343" cy="769441"/>
           </a:xfrm>
           <a:prstGeom prst="rect">
             <a:avLst/>
@@ -4155,100 +4095,34 @@
           <a:lstStyle/>
           <a:p>
             <a:r>
-              <a:rPr lang="en-IN" sz="1600" b="0" i="0" dirty="0">
-                <a:solidFill>
-                  <a:srgbClr val="000000"/>
-                </a:solidFill>
-                <a:effectLst/>
-                <a:latin typeface="Roboto" panose="020B0604020202020204" pitchFamily="2" charset="0"/>
-              </a:rPr>
-              <a:t>Domain/Area of Interest:</a:t>
-            </a:r>
-            <a:endParaRPr lang="en-IN" sz="1600" dirty="0"/>
-          </a:p>
-        </p:txBody>
-      </p:sp>
-      <p:sp>
-        <p:nvSpPr>
-          <p:cNvPr id="13" name="TextBox 12">
-            <a:extLst>
-              <a:ext uri="{FF2B5EF4-FFF2-40B4-BE49-F238E27FC236}">
-                <a16:creationId xmlns:a16="http://schemas.microsoft.com/office/drawing/2014/main" id="{1B667656-3D3F-47DA-BD9C-B87C8F445361}"/>
-              </a:ext>
-            </a:extLst>
-          </p:cNvPr>
-          <p:cNvSpPr txBox="1"/>
-          <p:nvPr/>
-        </p:nvSpPr>
-        <p:spPr>
-          <a:xfrm>
-            <a:off x="4421775" y="2585772"/>
-            <a:ext cx="4278088" cy="523220"/>
-          </a:xfrm>
-          <a:prstGeom prst="rect">
-            <a:avLst/>
-          </a:prstGeom>
-          <a:noFill/>
-        </p:spPr>
-        <p:txBody>
-          <a:bodyPr wrap="square">
-            <a:spAutoFit/>
-          </a:bodyPr>
-          <a:lstStyle/>
-          <a:p>
-            <a:r>
-              <a:rPr lang="en-IN" sz="2800" b="0" i="0" dirty="0">
+              <a:rPr lang="en-IN" sz="2200" b="0" i="0" dirty="0">
                 <a:solidFill>
                   <a:srgbClr val="000000"/>
                 </a:solidFill>
                 <a:effectLst/>
                 <a:latin typeface="Roboto" panose="02000000000000000000" pitchFamily="2" charset="0"/>
               </a:rPr>
-              <a:t>Information Security</a:t>
-            </a:r>
-            <a:endParaRPr lang="en-IN" sz="2800" dirty="0"/>
-          </a:p>
-        </p:txBody>
-      </p:sp>
-      <p:sp>
-        <p:nvSpPr>
-          <p:cNvPr id="15" name="TextBox 14">
-            <a:extLst>
-              <a:ext uri="{FF2B5EF4-FFF2-40B4-BE49-F238E27FC236}">
-                <a16:creationId xmlns:a16="http://schemas.microsoft.com/office/drawing/2014/main" id="{078779D9-F5C5-4856-A2CD-03C6400BBAF9}"/>
-              </a:ext>
-            </a:extLst>
-          </p:cNvPr>
-          <p:cNvSpPr txBox="1"/>
-          <p:nvPr/>
-        </p:nvSpPr>
-        <p:spPr>
-          <a:xfrm>
-            <a:off x="1306286" y="3065988"/>
-            <a:ext cx="6093822" cy="400110"/>
-          </a:xfrm>
-          <a:prstGeom prst="rect">
-            <a:avLst/>
-          </a:prstGeom>
-          <a:noFill/>
-        </p:spPr>
-        <p:txBody>
-          <a:bodyPr wrap="square">
-            <a:spAutoFit/>
-          </a:bodyPr>
-          <a:lstStyle/>
-          <a:p>
-            <a:r>
-              <a:rPr lang="en-IN" sz="2000" b="0" i="0" dirty="0">
+              <a:t>Project Based Learning Presentation</a:t>
+            </a:r>
+          </a:p>
+          <a:p>
+            <a:pPr algn="ctr"/>
+            <a:r>
+              <a:rPr lang="en-IN" sz="2200" dirty="0">
                 <a:solidFill>
                   <a:srgbClr val="000000"/>
                 </a:solidFill>
-                <a:effectLst/>
                 <a:latin typeface="Roboto" panose="02000000000000000000" pitchFamily="2" charset="0"/>
               </a:rPr>
-              <a:t>Project Title:</a:t>
-            </a:r>
-            <a:endParaRPr lang="en-IN" sz="2000" dirty="0"/>
+              <a:t>on</a:t>
+            </a:r>
+            <a:endParaRPr lang="en-IN" sz="2200" b="0" i="0" dirty="0">
+              <a:solidFill>
+                <a:srgbClr val="000000"/>
+              </a:solidFill>
+              <a:effectLst/>
+              <a:latin typeface="Roboto" panose="02000000000000000000" pitchFamily="2" charset="0"/>
+            </a:endParaRPr>
           </a:p>
         </p:txBody>
       </p:sp>
@@ -4266,7 +4140,7 @@
         </p:nvSpPr>
         <p:spPr>
           <a:xfrm>
-            <a:off x="8268787" y="5071191"/>
+            <a:off x="1379542" y="4864413"/>
             <a:ext cx="3788228" cy="1477328"/>
           </a:xfrm>
           <a:prstGeom prst="rect">
@@ -4452,7 +4326,7 @@
         </p:nvSpPr>
         <p:spPr>
           <a:xfrm>
-            <a:off x="1306286" y="5598752"/>
+            <a:off x="8472670" y="4312548"/>
             <a:ext cx="2339788" cy="646331"/>
           </a:xfrm>
           <a:prstGeom prst="rect">
@@ -4473,18 +4347,108 @@
           </a:p>
           <a:p>
             <a:r>
-              <a:rPr lang="en-US"/>
-              <a:t>Prof. </a:t>
-            </a:r>
-            <a:r>
               <a:rPr lang="en-US" dirty="0"/>
-              <a:t>Shital A. </a:t>
+              <a:t>Prof. Shital A. </a:t>
             </a:r>
             <a:r>
               <a:rPr lang="en-US" dirty="0" err="1"/>
               <a:t>Kakad</a:t>
             </a:r>
             <a:endParaRPr lang="en-US" dirty="0"/>
+          </a:p>
+        </p:txBody>
+      </p:sp>
+      <p:pic>
+        <p:nvPicPr>
+          <p:cNvPr id="1026" name="Picture 2" descr="Savitribai Phule Pune University Jobs - NoticeBard">
+            <a:extLst>
+              <a:ext uri="{FF2B5EF4-FFF2-40B4-BE49-F238E27FC236}">
+                <a16:creationId xmlns:a16="http://schemas.microsoft.com/office/drawing/2014/main" id="{71E76385-AB9C-4A8F-B5BE-8131672DBC0C}"/>
+              </a:ext>
+            </a:extLst>
+          </p:cNvPr>
+          <p:cNvPicPr>
+            <a:picLocks noChangeAspect="1" noChangeArrowheads="1"/>
+          </p:cNvPicPr>
+          <p:nvPr/>
+        </p:nvPicPr>
+        <p:blipFill>
+          <a:blip r:embed="rId4">
+            <a:extLst>
+              <a:ext uri="{28A0092B-C50C-407E-A947-70E740481C1C}">
+                <a14:useLocalDpi xmlns:a14="http://schemas.microsoft.com/office/drawing/2010/main" val="0"/>
+              </a:ext>
+            </a:extLst>
+          </a:blip>
+          <a:srcRect/>
+          <a:stretch>
+            <a:fillRect/>
+          </a:stretch>
+        </p:blipFill>
+        <p:spPr bwMode="auto">
+          <a:xfrm>
+            <a:off x="10247807" y="195664"/>
+            <a:ext cx="1679075" cy="1015664"/>
+          </a:xfrm>
+          <a:prstGeom prst="rect">
+            <a:avLst/>
+          </a:prstGeom>
+          <a:noFill/>
+          <a:extLst>
+            <a:ext uri="{909E8E84-426E-40DD-AFC4-6F175D3DCCD1}">
+              <a14:hiddenFill xmlns:a14="http://schemas.microsoft.com/office/drawing/2010/main">
+                <a:solidFill>
+                  <a:srgbClr val="FFFFFF"/>
+                </a:solidFill>
+              </a14:hiddenFill>
+            </a:ext>
+          </a:extLst>
+        </p:spPr>
+      </p:pic>
+      <p:sp>
+        <p:nvSpPr>
+          <p:cNvPr id="7" name="TextBox 6">
+            <a:extLst>
+              <a:ext uri="{FF2B5EF4-FFF2-40B4-BE49-F238E27FC236}">
+                <a16:creationId xmlns:a16="http://schemas.microsoft.com/office/drawing/2014/main" id="{D897485F-179F-4CD6-823F-4193265BBF78}"/>
+              </a:ext>
+            </a:extLst>
+          </p:cNvPr>
+          <p:cNvSpPr txBox="1"/>
+          <p:nvPr/>
+        </p:nvSpPr>
+        <p:spPr>
+          <a:xfrm>
+            <a:off x="3155113" y="1382487"/>
+            <a:ext cx="5881774" cy="923330"/>
+          </a:xfrm>
+          <a:prstGeom prst="rect">
+            <a:avLst/>
+          </a:prstGeom>
+          <a:noFill/>
+        </p:spPr>
+        <p:txBody>
+          <a:bodyPr wrap="square" rtlCol="0">
+            <a:spAutoFit/>
+          </a:bodyPr>
+          <a:lstStyle/>
+          <a:p>
+            <a:pPr algn="ctr"/>
+            <a:r>
+              <a:rPr lang="en-US" i="1" dirty="0"/>
+              <a:t>Accredited with "A' Grade by NAAC</a:t>
+            </a:r>
+          </a:p>
+          <a:p>
+            <a:pPr algn="ctr"/>
+            <a:r>
+              <a:rPr lang="en-US" i="1" dirty="0"/>
+              <a:t>Recipient of Best College Award in AY 2018-19 from SPPU</a:t>
+            </a:r>
+          </a:p>
+          <a:p>
+            <a:pPr algn="ctr"/>
+            <a:endParaRPr lang="en-IN" dirty="0"/>
           </a:p>
         </p:txBody>
       </p:sp>
@@ -8113,15 +8077,7 @@
             </a:pPr>
             <a:r>
               <a:rPr lang="en-US" dirty="0"/>
-              <a:t>It can be </a:t>
-            </a:r>
-            <a:r>
-              <a:rPr lang="en-US" dirty="0" err="1"/>
-              <a:t>intigrate</a:t>
-            </a:r>
-            <a:r>
-              <a:rPr lang="en-US" dirty="0"/>
-              <a:t> with any previous version of software users don’t have to install any another software.</a:t>
+              <a:t>It can be integrate with any previous version of software users don’t have to install any another software.</a:t>
             </a:r>
           </a:p>
           <a:p>
